--- a/report/slides.pptx
+++ b/report/slides.pptx
@@ -202,7 +202,7 @@
           <a:p>
             <a:fld id="{EEE03F8B-A50D-DE44-9304-39C43FB3C5B0}" type="datetimeFigureOut">
               <a:rPr lang="en-US" smtClean="0"/>
-              <a:t>4/27/2022</a:t>
+              <a:t>4/28/2022</a:t>
             </a:fld>
             <a:endParaRPr lang="en-US"/>
           </a:p>
@@ -3202,10 +3202,7 @@
           <a:bodyPr/>
           <a:lstStyle/>
           <a:p>
-            <a:r>
-              <a:rPr lang="en-US" dirty="0"/>
-              <a:t>What Makes Songs Popular?</a:t>
-            </a:r>
+            <a:endParaRPr lang="en-US" dirty="0"/>
           </a:p>
         </p:txBody>
       </p:sp>
@@ -3228,7 +3225,7 @@
         <p:spPr>
           <a:xfrm>
             <a:off x="1524000" y="1524000"/>
-            <a:ext cx="9829800" cy="1789208"/>
+            <a:ext cx="9829800" cy="2795124"/>
           </a:xfrm>
         </p:spPr>
         <p:txBody>
@@ -3243,11 +3240,21 @@
           <a:p>
             <a:r>
               <a:rPr lang="en-US" dirty="0"/>
-              <a:t>Or is popularity </a:t>
-            </a:r>
-          </a:p>
-          <a:p>
-            <a:endParaRPr lang="en-US" dirty="0"/>
+              <a:t> </a:t>
+            </a:r>
+          </a:p>
+          <a:p>
+            <a:r>
+              <a:rPr lang="en-US" dirty="0"/>
+              <a:t>Use Spotify’s Web API to sample 100 songs per year from 1970 – 2021 (i.e., N=5100)</a:t>
+            </a:r>
+          </a:p>
+          <a:p>
+            <a:pPr lvl="1"/>
+            <a:r>
+              <a:rPr lang="en-US" dirty="0"/>
+              <a:t>For each song, we extract its popularity as well as audio features like loudness, danceability, speechiness, valence, acousticness, and more</a:t>
+            </a:r>
           </a:p>
         </p:txBody>
       </p:sp>
@@ -3344,7 +3351,7 @@
           <a:p>
             <a:r>
               <a:rPr lang="en-US" dirty="0"/>
-              <a:t>Understanding The Data</a:t>
+              <a:t>Understanding The Data: Taylor vs BTS</a:t>
             </a:r>
           </a:p>
         </p:txBody>
@@ -3373,8 +3380,8 @@
         </p:blipFill>
         <p:spPr>
           <a:xfrm>
-            <a:off x="2621281" y="1600200"/>
-            <a:ext cx="6656833" cy="4754880"/>
+            <a:off x="2476500" y="1635485"/>
+            <a:ext cx="6858000" cy="4898570"/>
           </a:xfrm>
           <a:noFill/>
         </p:spPr>
@@ -3460,12 +3467,20 @@
             <p:ph type="body" sz="quarter" idx="12"/>
           </p:nvPr>
         </p:nvSpPr>
-        <p:spPr/>
+        <p:spPr>
+          <a:xfrm>
+            <a:off x="457200" y="702135"/>
+            <a:ext cx="10896600" cy="517065"/>
+          </a:xfrm>
+        </p:spPr>
         <p:txBody>
           <a:bodyPr/>
           <a:lstStyle/>
           <a:p>
-            <a:endParaRPr lang="en-US"/>
+            <a:r>
+              <a:rPr lang="en-US" dirty="0"/>
+              <a:t>Understanding The Data: Historical Trends</a:t>
+            </a:r>
           </a:p>
         </p:txBody>
       </p:sp>
@@ -3830,7 +3845,10 @@
           <a:bodyPr/>
           <a:lstStyle/>
           <a:p>
-            <a:endParaRPr lang="en-US"/>
+            <a:r>
+              <a:rPr lang="en-US" dirty="0"/>
+              <a:t>Model Performance and Conclusions</a:t>
+            </a:r>
           </a:p>
         </p:txBody>
       </p:sp>
@@ -3850,12 +3868,35 @@
             <p:ph sz="quarter" idx="13"/>
           </p:nvPr>
         </p:nvSpPr>
-        <p:spPr/>
+        <p:spPr>
+          <a:xfrm>
+            <a:off x="1524000" y="1524000"/>
+            <a:ext cx="9829800" cy="2277547"/>
+          </a:xfrm>
+        </p:spPr>
         <p:txBody>
           <a:bodyPr/>
           <a:lstStyle/>
           <a:p>
-            <a:endParaRPr lang="en-US"/>
+            <a:r>
+              <a:rPr lang="en-US" dirty="0"/>
+              <a:t>Data suggest danceability is most influential</a:t>
+            </a:r>
+          </a:p>
+          <a:p>
+            <a:r>
+              <a:rPr lang="en-US" dirty="0"/>
+              <a:t>Though audio features alone are only weakly predictive of popularity</a:t>
+            </a:r>
+          </a:p>
+          <a:p>
+            <a:r>
+              <a:rPr lang="en-US" dirty="0"/>
+              <a:t>Our perception of music is complicated</a:t>
+            </a:r>
+          </a:p>
+          <a:p>
+            <a:endParaRPr lang="en-US" dirty="0"/>
           </a:p>
         </p:txBody>
       </p:sp>

--- a/report/slides.pptx
+++ b/report/slides.pptx
@@ -11,7 +11,7 @@
     <p:sldId id="269" r:id="rId2"/>
     <p:sldId id="265" r:id="rId3"/>
     <p:sldId id="270" r:id="rId4"/>
-    <p:sldId id="271" r:id="rId5"/>
+    <p:sldId id="275" r:id="rId5"/>
     <p:sldId id="272" r:id="rId6"/>
     <p:sldId id="273" r:id="rId7"/>
   </p:sldIdLst>
@@ -202,7 +202,7 @@
           <a:p>
             <a:fld id="{EEE03F8B-A50D-DE44-9304-39C43FB3C5B0}" type="datetimeFigureOut">
               <a:rPr lang="en-US" smtClean="0"/>
-              <a:t>4/28/2022</a:t>
+              <a:t>4/29/2022</a:t>
             </a:fld>
             <a:endParaRPr lang="en-US"/>
           </a:p>
@@ -3202,62 +3202,185 @@
           <a:bodyPr/>
           <a:lstStyle/>
           <a:p>
-            <a:endParaRPr lang="en-US" dirty="0"/>
-          </a:p>
-        </p:txBody>
-      </p:sp>
-      <p:sp>
-        <p:nvSpPr>
-          <p:cNvPr id="3" name="Content Placeholder 2">
-            <a:extLst>
-              <a:ext uri="{FF2B5EF4-FFF2-40B4-BE49-F238E27FC236}">
-                <a16:creationId xmlns:a16="http://schemas.microsoft.com/office/drawing/2014/main" id="{12A98574-9742-9B47-94FA-808EF6C372CE}"/>
-              </a:ext>
-            </a:extLst>
-          </p:cNvPr>
-          <p:cNvSpPr>
-            <a:spLocks noGrp="1"/>
-          </p:cNvSpPr>
-          <p:nvPr>
-            <p:ph sz="quarter" idx="13"/>
-          </p:nvPr>
-        </p:nvSpPr>
-        <p:spPr>
-          <a:xfrm>
-            <a:off x="1524000" y="1524000"/>
-            <a:ext cx="9829800" cy="2795124"/>
-          </a:xfrm>
-        </p:spPr>
-        <p:txBody>
-          <a:bodyPr/>
-          <a:lstStyle/>
-          <a:p>
-            <a:r>
-              <a:rPr lang="en-US" dirty="0"/>
-              <a:t>Do things like tempo, rhythm, timbre, and other qualities of the sound help drive popularity?</a:t>
-            </a:r>
-          </a:p>
-          <a:p>
-            <a:r>
-              <a:rPr lang="en-US" dirty="0"/>
-              <a:t> </a:t>
-            </a:r>
-          </a:p>
-          <a:p>
-            <a:r>
-              <a:rPr lang="en-US" dirty="0"/>
-              <a:t>Use Spotify’s Web API to sample 100 songs per year from 1970 – 2021 (i.e., N=5100)</a:t>
-            </a:r>
-          </a:p>
-          <a:p>
-            <a:pPr lvl="1"/>
-            <a:r>
-              <a:rPr lang="en-US" dirty="0"/>
-              <a:t>For each song, we extract its popularity as well as audio features like loudness, danceability, speechiness, valence, acousticness, and more</a:t>
-            </a:r>
-          </a:p>
-        </p:txBody>
-      </p:sp>
+            <a:r>
+              <a:rPr lang="en-US" dirty="0"/>
+              <a:t>Predicting Song Popularity From Audio Features</a:t>
+            </a:r>
+          </a:p>
+        </p:txBody>
+      </p:sp>
+      <mc:AlternateContent xmlns:mc="http://schemas.openxmlformats.org/markup-compatibility/2006">
+        <mc:Choice xmlns:a14="http://schemas.microsoft.com/office/drawing/2010/main" Requires="a14">
+          <p:sp>
+            <p:nvSpPr>
+              <p:cNvPr id="3" name="Content Placeholder 2">
+                <a:extLst>
+                  <a:ext uri="{FF2B5EF4-FFF2-40B4-BE49-F238E27FC236}">
+                    <a16:creationId xmlns:a16="http://schemas.microsoft.com/office/drawing/2014/main" id="{12A98574-9742-9B47-94FA-808EF6C372CE}"/>
+                  </a:ext>
+                </a:extLst>
+              </p:cNvPr>
+              <p:cNvSpPr>
+                <a:spLocks noGrp="1"/>
+              </p:cNvSpPr>
+              <p:nvPr>
+                <p:ph sz="quarter" idx="13"/>
+              </p:nvPr>
+            </p:nvSpPr>
+            <p:spPr>
+              <a:xfrm>
+                <a:off x="1524000" y="1676400"/>
+                <a:ext cx="9201150" cy="3550203"/>
+              </a:xfrm>
+            </p:spPr>
+            <p:txBody>
+              <a:bodyPr/>
+              <a:lstStyle/>
+              <a:p>
+                <a:pPr>
+                  <a:spcAft>
+                    <a:spcPts val="1200"/>
+                  </a:spcAft>
+                </a:pPr>
+                <a:r>
+                  <a:rPr lang="en-US" dirty="0"/>
+                  <a:t>Do things like tempo, rhythm, timbre, and other qualities of the sound help drive popularity?</a:t>
+                </a:r>
+              </a:p>
+              <a:p>
+                <a:pPr>
+                  <a:spcAft>
+                    <a:spcPts val="1200"/>
+                  </a:spcAft>
+                </a:pPr>
+                <a:r>
+                  <a:rPr lang="en-US" dirty="0"/>
+                  <a:t>The main idea:</a:t>
+                </a:r>
+              </a:p>
+              <a:p>
+                <a:pPr lvl="1">
+                  <a:spcAft>
+                    <a:spcPts val="600"/>
+                  </a:spcAft>
+                </a:pPr>
+                <a:r>
+                  <a:rPr lang="en-US" dirty="0"/>
+                  <a:t>Use Spotify’s Web API to sample 100 songs per year from 1970 – 2021 </a:t>
+                </a:r>
+              </a:p>
+              <a:p>
+                <a:pPr marL="457200" lvl="1" indent="0">
+                  <a:spcAft>
+                    <a:spcPts val="600"/>
+                  </a:spcAft>
+                  <a:buNone/>
+                </a:pPr>
+                <a:r>
+                  <a:rPr lang="en-US" dirty="0"/>
+                  <a:t>   (so </a:t>
+                </a:r>
+                <a14:m>
+                  <m:oMath xmlns:m="http://schemas.openxmlformats.org/officeDocument/2006/math">
+                    <m:r>
+                      <a:rPr lang="en-US" i="1">
+                        <a:latin typeface="Cambria Math" panose="02040503050406030204" pitchFamily="18" charset="0"/>
+                      </a:rPr>
+                      <m:t>𝑛</m:t>
+                    </m:r>
+                    <m:r>
+                      <a:rPr lang="en-US" i="1">
+                        <a:latin typeface="Cambria Math" panose="02040503050406030204" pitchFamily="18" charset="0"/>
+                      </a:rPr>
+                      <m:t>=5100</m:t>
+                    </m:r>
+                  </m:oMath>
+                </a14:m>
+                <a:r>
+                  <a:rPr lang="en-US" dirty="0"/>
+                  <a:t>)</a:t>
+                </a:r>
+                <a14:m>
+                  <m:oMath xmlns:m="http://schemas.openxmlformats.org/officeDocument/2006/math">
+                    <m:r>
+                      <a:rPr lang="en-US" b="0" i="1" smtClean="0">
+                        <a:latin typeface="Cambria Math" panose="02040503050406030204" pitchFamily="18" charset="0"/>
+                      </a:rPr>
+                      <m:t> </m:t>
+                    </m:r>
+                  </m:oMath>
+                </a14:m>
+                <a:endParaRPr lang="en-US" b="0" dirty="0"/>
+              </a:p>
+              <a:p>
+                <a:pPr lvl="1">
+                  <a:spcAft>
+                    <a:spcPts val="600"/>
+                  </a:spcAft>
+                </a:pPr>
+                <a:r>
+                  <a:rPr lang="en-US" dirty="0"/>
+                  <a:t>For each song, extract its popularity and audio features (loudness, danceability, speechiness, valence, acousticness, and more)</a:t>
+                </a:r>
+              </a:p>
+              <a:p>
+                <a:pPr lvl="1">
+                  <a:spcAft>
+                    <a:spcPts val="600"/>
+                  </a:spcAft>
+                </a:pPr>
+                <a:r>
+                  <a:rPr lang="en-US" dirty="0"/>
+                  <a:t>Build a hierarchical model</a:t>
+                </a:r>
+              </a:p>
+            </p:txBody>
+          </p:sp>
+        </mc:Choice>
+        <mc:Fallback>
+          <p:sp>
+            <p:nvSpPr>
+              <p:cNvPr id="3" name="Content Placeholder 2">
+                <a:extLst>
+                  <a:ext uri="{FF2B5EF4-FFF2-40B4-BE49-F238E27FC236}">
+                    <a16:creationId xmlns:a16="http://schemas.microsoft.com/office/drawing/2014/main" id="{12A98574-9742-9B47-94FA-808EF6C372CE}"/>
+                  </a:ext>
+                </a:extLst>
+              </p:cNvPr>
+              <p:cNvSpPr>
+                <a:spLocks noGrp="1" noRot="1" noChangeAspect="1" noMove="1" noResize="1" noEditPoints="1" noAdjustHandles="1" noChangeArrowheads="1" noChangeShapeType="1" noTextEdit="1"/>
+              </p:cNvSpPr>
+              <p:nvPr>
+                <p:ph sz="quarter" idx="13"/>
+              </p:nvPr>
+            </p:nvSpPr>
+            <p:spPr>
+              <a:xfrm>
+                <a:off x="1524000" y="1676400"/>
+                <a:ext cx="9201150" cy="3550203"/>
+              </a:xfrm>
+              <a:blipFill>
+                <a:blip r:embed="rId2"/>
+                <a:stretch>
+                  <a:fillRect l="-1988" t="-2749" r="-1392" b="-2405"/>
+                </a:stretch>
+              </a:blipFill>
+            </p:spPr>
+            <p:txBody>
+              <a:bodyPr/>
+              <a:lstStyle/>
+              <a:p>
+                <a:r>
+                  <a:rPr lang="en-US">
+                    <a:noFill/>
+                  </a:rPr>
+                  <a:t> </a:t>
+                </a:r>
+              </a:p>
+            </p:txBody>
+          </p:sp>
+        </mc:Fallback>
+      </mc:AlternateContent>
       <p:sp>
         <p:nvSpPr>
           <p:cNvPr id="4" name="Text Placeholder 3">
@@ -3351,17 +3474,52 @@
           <a:p>
             <a:r>
               <a:rPr lang="en-US" dirty="0"/>
-              <a:t>Understanding The Data: Taylor vs BTS</a:t>
+              <a:t>Audio Features Are (Mostly) Intuitive</a:t>
+            </a:r>
+          </a:p>
+        </p:txBody>
+      </p:sp>
+      <p:sp>
+        <p:nvSpPr>
+          <p:cNvPr id="4" name="Text Placeholder 3">
+            <a:extLst>
+              <a:ext uri="{FF2B5EF4-FFF2-40B4-BE49-F238E27FC236}">
+                <a16:creationId xmlns:a16="http://schemas.microsoft.com/office/drawing/2014/main" id="{58C13DF1-F5BA-FD44-AB37-3592199D9BCB}"/>
+              </a:ext>
+            </a:extLst>
+          </p:cNvPr>
+          <p:cNvSpPr>
+            <a:spLocks noGrp="1"/>
+          </p:cNvSpPr>
+          <p:nvPr>
+            <p:ph type="body" sz="quarter" idx="14"/>
+          </p:nvPr>
+        </p:nvSpPr>
+        <p:spPr>
+          <a:xfrm>
+            <a:off x="-1" y="6534055"/>
+            <a:ext cx="5467351" cy="323945"/>
+          </a:xfrm>
+        </p:spPr>
+        <p:txBody>
+          <a:bodyPr wrap="none">
+            <a:normAutofit/>
+          </a:bodyPr>
+          <a:lstStyle/>
+          <a:p>
+            <a:r>
+              <a:rPr lang="en-US" dirty="0"/>
+              <a:t>A Bayesian Hierarchical Model For Predicting Song Popularity</a:t>
             </a:r>
           </a:p>
         </p:txBody>
       </p:sp>
       <p:pic>
         <p:nvPicPr>
-          <p:cNvPr id="6" name="Content Placeholder 5" descr="Chart, bar chart&#10;&#10;Description automatically generated">
-            <a:extLst>
-              <a:ext uri="{FF2B5EF4-FFF2-40B4-BE49-F238E27FC236}">
-                <a16:creationId xmlns:a16="http://schemas.microsoft.com/office/drawing/2014/main" id="{597C4A6F-5692-441F-ABDE-0E05A465E867}"/>
+          <p:cNvPr id="20" name="Content Placeholder 19" descr="Chart, bar chart&#10;&#10;Description automatically generated">
+            <a:extLst>
+              <a:ext uri="{FF2B5EF4-FFF2-40B4-BE49-F238E27FC236}">
+                <a16:creationId xmlns:a16="http://schemas.microsoft.com/office/drawing/2014/main" id="{529F0488-DF01-413B-95F6-9365C2CD24D1}"/>
               </a:ext>
             </a:extLst>
           </p:cNvPr>
@@ -3380,47 +3538,11 @@
         </p:blipFill>
         <p:spPr>
           <a:xfrm>
-            <a:off x="2476500" y="1635485"/>
-            <a:ext cx="6858000" cy="4898570"/>
-          </a:xfrm>
-          <a:noFill/>
+            <a:off x="1666866" y="1809745"/>
+            <a:ext cx="8229617" cy="4572009"/>
+          </a:xfrm>
         </p:spPr>
       </p:pic>
-      <p:sp>
-        <p:nvSpPr>
-          <p:cNvPr id="4" name="Text Placeholder 3">
-            <a:extLst>
-              <a:ext uri="{FF2B5EF4-FFF2-40B4-BE49-F238E27FC236}">
-                <a16:creationId xmlns:a16="http://schemas.microsoft.com/office/drawing/2014/main" id="{58C13DF1-F5BA-FD44-AB37-3592199D9BCB}"/>
-              </a:ext>
-            </a:extLst>
-          </p:cNvPr>
-          <p:cNvSpPr>
-            <a:spLocks noGrp="1"/>
-          </p:cNvSpPr>
-          <p:nvPr>
-            <p:ph type="body" sz="quarter" idx="14"/>
-          </p:nvPr>
-        </p:nvSpPr>
-        <p:spPr>
-          <a:xfrm>
-            <a:off x="-1" y="6534055"/>
-            <a:ext cx="5467351" cy="323945"/>
-          </a:xfrm>
-        </p:spPr>
-        <p:txBody>
-          <a:bodyPr wrap="none">
-            <a:normAutofit/>
-          </a:bodyPr>
-          <a:lstStyle/>
-          <a:p>
-            <a:r>
-              <a:rPr lang="en-US" dirty="0"/>
-              <a:t>A Bayesian Hierarchical Model For Predicting Song Popularity</a:t>
-            </a:r>
-          </a:p>
-        </p:txBody>
-      </p:sp>
     </p:spTree>
     <p:extLst>
       <p:ext uri="{BB962C8B-B14F-4D97-AF65-F5344CB8AC3E}">
@@ -3474,12 +3596,14 @@
           </a:xfrm>
         </p:spPr>
         <p:txBody>
-          <a:bodyPr/>
+          <a:bodyPr wrap="square" anchor="b">
+            <a:normAutofit/>
+          </a:bodyPr>
           <a:lstStyle/>
           <a:p>
             <a:r>
               <a:rPr lang="en-US" dirty="0"/>
-              <a:t>Understanding The Data: Historical Trends</a:t>
+              <a:t>Audio Features Have Prominent Trends</a:t>
             </a:r>
           </a:p>
         </p:txBody>
@@ -3502,12 +3626,14 @@
         </p:nvSpPr>
         <p:spPr>
           <a:xfrm>
-            <a:off x="0" y="6534055"/>
-            <a:ext cx="5462136" cy="323165"/>
-          </a:xfrm>
-        </p:spPr>
-        <p:txBody>
-          <a:bodyPr/>
+            <a:off x="-1" y="6534055"/>
+            <a:ext cx="5467351" cy="323945"/>
+          </a:xfrm>
+        </p:spPr>
+        <p:txBody>
+          <a:bodyPr wrap="none">
+            <a:normAutofit/>
+          </a:bodyPr>
           <a:lstStyle/>
           <a:p>
             <a:r>
@@ -3519,10 +3645,10 @@
       </p:sp>
       <p:pic>
         <p:nvPicPr>
-          <p:cNvPr id="6" name="Picture 5" descr="Chart, line chart&#10;&#10;Description automatically generated">
-            <a:extLst>
-              <a:ext uri="{FF2B5EF4-FFF2-40B4-BE49-F238E27FC236}">
-                <a16:creationId xmlns:a16="http://schemas.microsoft.com/office/drawing/2014/main" id="{FB8A7C94-216F-4771-B708-73BA2872E5C2}"/>
+          <p:cNvPr id="7" name="Chart Placeholder 18" descr="Chart, line chart&#10;&#10;Description automatically generated">
+            <a:extLst>
+              <a:ext uri="{FF2B5EF4-FFF2-40B4-BE49-F238E27FC236}">
+                <a16:creationId xmlns:a16="http://schemas.microsoft.com/office/drawing/2014/main" id="{E7C7C624-B4B3-4303-AA51-6083A51158C5}"/>
               </a:ext>
             </a:extLst>
           </p:cNvPr>
@@ -3539,18 +3665,51 @@
         </p:blipFill>
         <p:spPr>
           <a:xfrm>
-            <a:off x="457200" y="1457320"/>
-            <a:ext cx="6400813" cy="4572009"/>
+            <a:off x="457200" y="1912257"/>
+            <a:ext cx="5429250" cy="3878035"/>
           </a:xfrm>
           <a:prstGeom prst="rect">
             <a:avLst/>
           </a:prstGeom>
+        </p:spPr>
+      </p:pic>
+      <p:pic>
+        <p:nvPicPr>
+          <p:cNvPr id="8" name="Chart Placeholder 19" descr="Chart, line chart&#10;&#10;Description automatically generated">
+            <a:extLst>
+              <a:ext uri="{FF2B5EF4-FFF2-40B4-BE49-F238E27FC236}">
+                <a16:creationId xmlns:a16="http://schemas.microsoft.com/office/drawing/2014/main" id="{C1D9E768-E8B2-42F7-885F-7B16A8E33D3B}"/>
+              </a:ext>
+            </a:extLst>
+          </p:cNvPr>
+          <p:cNvPicPr>
+            <a:picLocks noChangeAspect="1"/>
+          </p:cNvPicPr>
+          <p:nvPr/>
+        </p:nvPicPr>
+        <p:blipFill>
+          <a:blip r:embed="rId3"/>
+          <a:stretch>
+            <a:fillRect/>
+          </a:stretch>
+        </p:blipFill>
+        <p:spPr>
+          <a:xfrm>
+            <a:off x="6219825" y="1912257"/>
+            <a:ext cx="5427880" cy="3877056"/>
+          </a:xfrm>
+          <a:prstGeom prst="rect">
+            <a:avLst/>
+          </a:prstGeom>
+          <a:solidFill>
+            <a:schemeClr val="accent1"/>
+          </a:solidFill>
         </p:spPr>
       </p:pic>
     </p:spTree>
     <p:extLst>
       <p:ext uri="{BB962C8B-B14F-4D97-AF65-F5344CB8AC3E}">
-        <p14:creationId xmlns:p14="http://schemas.microsoft.com/office/powerpoint/2010/main" val="2876765838"/>
+        <p14:creationId xmlns:p14="http://schemas.microsoft.com/office/powerpoint/2010/main" val="2121763019"/>
       </p:ext>
     </p:extLst>
   </p:cSld>
@@ -3600,7 +3759,7 @@
           <a:p>
             <a:r>
               <a:rPr lang="en-US" dirty="0"/>
-              <a:t>The Model</a:t>
+              <a:t>Modeling Popularity </a:t>
             </a:r>
           </a:p>
         </p:txBody>
@@ -3624,7 +3783,7 @@
         <p:spPr>
           <a:xfrm>
             <a:off x="1524000" y="1666874"/>
-            <a:ext cx="9829800" cy="4860818"/>
+            <a:ext cx="9829800" cy="4937762"/>
           </a:xfrm>
         </p:spPr>
         <p:txBody>
@@ -3633,18 +3792,18 @@
           <a:p>
             <a:pPr>
               <a:spcAft>
-                <a:spcPts val="1800"/>
+                <a:spcPts val="1900"/>
               </a:spcAft>
             </a:pPr>
             <a:r>
               <a:rPr lang="en-US" dirty="0"/>
-              <a:t>Consider 10 predictors and 6 groups (decades)</a:t>
+              <a:t>Consider 10 predictors (audio features) and 6 groups (decades)</a:t>
             </a:r>
           </a:p>
           <a:p>
             <a:pPr>
               <a:spcAft>
-                <a:spcPts val="1800"/>
+                <a:spcPts val="1900"/>
               </a:spcAft>
             </a:pPr>
             <a:r>
@@ -3655,7 +3814,7 @@
           <a:p>
             <a:pPr lvl="1">
               <a:spcAft>
-                <a:spcPts val="1800"/>
+                <a:spcPts val="1900"/>
               </a:spcAft>
             </a:pPr>
             <a:r>
@@ -3666,7 +3825,7 @@
           <a:p>
             <a:pPr>
               <a:spcAft>
-                <a:spcPts val="1800"/>
+                <a:spcPts val="1900"/>
               </a:spcAft>
             </a:pPr>
             <a:r>
@@ -3677,7 +3836,7 @@
           <a:p>
             <a:pPr lvl="1">
               <a:spcAft>
-                <a:spcPts val="1800"/>
+                <a:spcPts val="1900"/>
               </a:spcAft>
             </a:pPr>
             <a:r>
@@ -3688,7 +3847,7 @@
           <a:p>
             <a:pPr>
               <a:spcAft>
-                <a:spcPts val="1800"/>
+                <a:spcPts val="1900"/>
               </a:spcAft>
             </a:pPr>
             <a:r>
@@ -3756,7 +3915,7 @@
         </p:blipFill>
         <p:spPr>
           <a:xfrm>
-            <a:off x="2152650" y="2995803"/>
+            <a:off x="2276475" y="2995803"/>
             <a:ext cx="6217920" cy="477261"/>
           </a:xfrm>
           <a:prstGeom prst="rect">
@@ -3766,10 +3925,10 @@
       </p:pic>
       <p:pic>
         <p:nvPicPr>
-          <p:cNvPr id="10" name="Picture 9">
-            <a:extLst>
-              <a:ext uri="{FF2B5EF4-FFF2-40B4-BE49-F238E27FC236}">
-                <a16:creationId xmlns:a16="http://schemas.microsoft.com/office/drawing/2014/main" id="{4DCA7B2C-3963-4A74-8A5E-C06AC5522DBB}"/>
+          <p:cNvPr id="12" name="Picture 11">
+            <a:extLst>
+              <a:ext uri="{FF2B5EF4-FFF2-40B4-BE49-F238E27FC236}">
+                <a16:creationId xmlns:a16="http://schemas.microsoft.com/office/drawing/2014/main" id="{18E615AB-AB62-4E1C-9C58-1D8A86019EB6}"/>
               </a:ext>
             </a:extLst>
           </p:cNvPr>
@@ -3786,8 +3945,8 @@
         </p:blipFill>
         <p:spPr>
           <a:xfrm>
-            <a:off x="2095500" y="4097283"/>
-            <a:ext cx="3039036" cy="914400"/>
+            <a:off x="2124075" y="4135755"/>
+            <a:ext cx="3205996" cy="914400"/>
           </a:xfrm>
           <a:prstGeom prst="rect">
             <a:avLst/>
@@ -3870,29 +4029,55 @@
         </p:nvSpPr>
         <p:spPr>
           <a:xfrm>
-            <a:off x="1524000" y="1524000"/>
-            <a:ext cx="9829800" cy="2277547"/>
+            <a:off x="1504950" y="1823506"/>
+            <a:ext cx="9944100" cy="3401957"/>
           </a:xfrm>
         </p:spPr>
         <p:txBody>
           <a:bodyPr/>
           <a:lstStyle/>
           <a:p>
-            <a:r>
-              <a:rPr lang="en-US" dirty="0"/>
-              <a:t>Data suggest danceability is most influential</a:t>
-            </a:r>
-          </a:p>
-          <a:p>
-            <a:r>
-              <a:rPr lang="en-US" dirty="0"/>
-              <a:t>Though audio features alone are only weakly predictive of popularity</a:t>
-            </a:r>
-          </a:p>
-          <a:p>
-            <a:r>
-              <a:rPr lang="en-US" dirty="0"/>
-              <a:t>Our perception of music is complicated</a:t>
+            <a:pPr>
+              <a:spcAft>
+                <a:spcPts val="1500"/>
+              </a:spcAft>
+            </a:pPr>
+            <a:r>
+              <a:rPr lang="en-US" dirty="0"/>
+              <a:t>In general, audio features are only weakly predictive of popularity</a:t>
+            </a:r>
+          </a:p>
+          <a:p>
+            <a:pPr lvl="1">
+              <a:spcAft>
+                <a:spcPts val="1500"/>
+              </a:spcAft>
+            </a:pPr>
+            <a:r>
+              <a:rPr lang="en-US" dirty="0"/>
+              <a:t>The model suggests danceability is most influential </a:t>
+            </a:r>
+          </a:p>
+          <a:p>
+            <a:pPr>
+              <a:spcAft>
+                <a:spcPts val="1500"/>
+              </a:spcAft>
+            </a:pPr>
+            <a:r>
+              <a:rPr lang="en-US" dirty="0"/>
+              <a:t>Our perception of music is complicated!</a:t>
+            </a:r>
+          </a:p>
+          <a:p>
+            <a:pPr>
+              <a:spcAft>
+                <a:spcPts val="1500"/>
+              </a:spcAft>
+            </a:pPr>
+            <a:r>
+              <a:rPr lang="en-US" dirty="0"/>
+              <a:t>Spotify’s audio features (the publicly-available ones, at least) don’t capture everything</a:t>
             </a:r>
           </a:p>
           <a:p>
